--- a/Short_Story/Artifacts/Small_Language_Models_Slideshow.pptx
+++ b/Short_Story/Artifacts/Small_Language_Models_Slideshow.pptx
@@ -3140,18 +3140,44 @@
         <p:spPr/>
         <p:txBody>
           <a:bodyPr>
-            <a:normAutofit fontScale="77500" lnSpcReduction="20000"/>
+            <a:normAutofit fontScale="70000" lnSpcReduction="20000"/>
           </a:bodyPr>
           <a:lstStyle/>
           <a:p>
             <a:r>
-              <a:t>Authors: Zhenyan Lu, Xiang Li, Dongqi Cai, et al.</a:t>
-            </a:r>
-          </a:p>
-          <a:p>
-            <a:r>
+              <a:rPr dirty="0"/>
+              <a:t>Authors: </a:t>
+            </a:r>
+            <a:r>
+              <a:rPr dirty="0" err="1"/>
+              <a:t>Zhenyan</a:t>
+            </a:r>
+            <a:r>
+              <a:rPr dirty="0"/>
+              <a:t> Lu, Xiang Li, </a:t>
+            </a:r>
+            <a:r>
+              <a:rPr dirty="0" err="1"/>
+              <a:t>Dongqi</a:t>
+            </a:r>
+            <a:r>
+              <a:rPr dirty="0"/>
+              <a:t> Cai, et al.</a:t>
+            </a:r>
+          </a:p>
+          <a:p>
+            <a:r>
+              <a:rPr dirty="0"/>
               <a:t>Affiliation: Beijing University of Posts and Telecommunications, Peng Cheng Laboratory, etc.</a:t>
             </a:r>
+            <a:endParaRPr lang="en-US" dirty="0"/>
+          </a:p>
+          <a:p>
+            <a:r>
+              <a:rPr lang="en-IN" dirty="0"/>
+              <a:t>Short Story by: Samarth Sharma</a:t>
+            </a:r>
+            <a:endParaRPr dirty="0"/>
           </a:p>
         </p:txBody>
       </p:sp>
